--- a/thesis/presentation_1.pptx
+++ b/thesis/presentation_1.pptx
@@ -8,17 +8,18 @@
     <p:sldId id="256" r:id="rId2"/>
     <p:sldId id="257" r:id="rId3"/>
     <p:sldId id="267" r:id="rId4"/>
-    <p:sldId id="258" r:id="rId5"/>
-    <p:sldId id="259" r:id="rId6"/>
-    <p:sldId id="260" r:id="rId7"/>
-    <p:sldId id="269" r:id="rId8"/>
-    <p:sldId id="270" r:id="rId9"/>
-    <p:sldId id="268" r:id="rId10"/>
-    <p:sldId id="261" r:id="rId11"/>
-    <p:sldId id="266" r:id="rId12"/>
-    <p:sldId id="262" r:id="rId13"/>
-    <p:sldId id="264" r:id="rId14"/>
-    <p:sldId id="265" r:id="rId15"/>
+    <p:sldId id="271" r:id="rId5"/>
+    <p:sldId id="258" r:id="rId6"/>
+    <p:sldId id="259" r:id="rId7"/>
+    <p:sldId id="260" r:id="rId8"/>
+    <p:sldId id="269" r:id="rId9"/>
+    <p:sldId id="270" r:id="rId10"/>
+    <p:sldId id="268" r:id="rId11"/>
+    <p:sldId id="261" r:id="rId12"/>
+    <p:sldId id="266" r:id="rId13"/>
+    <p:sldId id="262" r:id="rId14"/>
+    <p:sldId id="264" r:id="rId15"/>
+    <p:sldId id="265" r:id="rId16"/>
   </p:sldIdLst>
   <p:sldSz cx="9144000" cy="6858000" type="screen4x3"/>
   <p:notesSz cx="6858000" cy="9144000"/>
@@ -254,6 +255,7 @@
           <a:p>
             <a:fld id="{2F70612F-D101-4AD4-8F3C-BE6AA2F3E7E9}" type="datetimeFigureOut">
               <a:rPr lang="sv-SE" smtClean="0"/>
+              <a:pPr/>
               <a:t>2014-04-28</a:t>
             </a:fld>
             <a:endParaRPr lang="sv-SE"/>
@@ -300,6 +302,7 @@
           <a:p>
             <a:fld id="{6200C31D-441A-455F-9B14-D3541BE17A64}" type="slidenum">
               <a:rPr lang="sv-SE" smtClean="0"/>
+              <a:pPr/>
               <a:t>‹#›</a:t>
             </a:fld>
             <a:endParaRPr lang="sv-SE"/>
@@ -568,6 +571,7 @@
           <a:p>
             <a:fld id="{2F70612F-D101-4AD4-8F3C-BE6AA2F3E7E9}" type="datetimeFigureOut">
               <a:rPr lang="sv-SE" smtClean="0"/>
+              <a:pPr/>
               <a:t>2014-04-28</a:t>
             </a:fld>
             <a:endParaRPr lang="sv-SE"/>
@@ -614,6 +618,7 @@
           <a:p>
             <a:fld id="{6200C31D-441A-455F-9B14-D3541BE17A64}" type="slidenum">
               <a:rPr lang="sv-SE" smtClean="0"/>
+              <a:pPr/>
               <a:t>‹#›</a:t>
             </a:fld>
             <a:endParaRPr lang="sv-SE"/>
@@ -754,6 +759,7 @@
           <a:p>
             <a:fld id="{2F70612F-D101-4AD4-8F3C-BE6AA2F3E7E9}" type="datetimeFigureOut">
               <a:rPr lang="sv-SE" smtClean="0"/>
+              <a:pPr/>
               <a:t>2014-04-28</a:t>
             </a:fld>
             <a:endParaRPr lang="sv-SE"/>
@@ -800,6 +806,7 @@
           <a:p>
             <a:fld id="{6200C31D-441A-455F-9B14-D3541BE17A64}" type="slidenum">
               <a:rPr lang="sv-SE" smtClean="0"/>
+              <a:pPr/>
               <a:t>‹#›</a:t>
             </a:fld>
             <a:endParaRPr lang="sv-SE"/>
@@ -930,6 +937,7 @@
           <a:p>
             <a:fld id="{2F70612F-D101-4AD4-8F3C-BE6AA2F3E7E9}" type="datetimeFigureOut">
               <a:rPr lang="sv-SE" smtClean="0"/>
+              <a:pPr/>
               <a:t>2014-04-28</a:t>
             </a:fld>
             <a:endParaRPr lang="sv-SE"/>
@@ -976,6 +984,7 @@
           <a:p>
             <a:fld id="{6200C31D-441A-455F-9B14-D3541BE17A64}" type="slidenum">
               <a:rPr lang="sv-SE" smtClean="0"/>
+              <a:pPr/>
               <a:t>‹#›</a:t>
             </a:fld>
             <a:endParaRPr lang="sv-SE"/>
@@ -1199,6 +1208,7 @@
           <a:p>
             <a:fld id="{2F70612F-D101-4AD4-8F3C-BE6AA2F3E7E9}" type="datetimeFigureOut">
               <a:rPr lang="sv-SE" smtClean="0"/>
+              <a:pPr/>
               <a:t>2014-04-28</a:t>
             </a:fld>
             <a:endParaRPr lang="sv-SE"/>
@@ -1245,6 +1255,7 @@
           <a:p>
             <a:fld id="{6200C31D-441A-455F-9B14-D3541BE17A64}" type="slidenum">
               <a:rPr lang="sv-SE" smtClean="0"/>
+              <a:pPr/>
               <a:t>‹#›</a:t>
             </a:fld>
             <a:endParaRPr lang="sv-SE"/>
@@ -1668,6 +1679,7 @@
           <a:p>
             <a:fld id="{2F70612F-D101-4AD4-8F3C-BE6AA2F3E7E9}" type="datetimeFigureOut">
               <a:rPr lang="sv-SE" smtClean="0"/>
+              <a:pPr/>
               <a:t>2014-04-28</a:t>
             </a:fld>
             <a:endParaRPr lang="sv-SE"/>
@@ -1714,6 +1726,7 @@
           <a:p>
             <a:fld id="{6200C31D-441A-455F-9B14-D3541BE17A64}" type="slidenum">
               <a:rPr lang="sv-SE" smtClean="0"/>
+              <a:pPr/>
               <a:t>‹#›</a:t>
             </a:fld>
             <a:endParaRPr lang="sv-SE"/>
@@ -2158,6 +2171,7 @@
           <a:p>
             <a:fld id="{2F70612F-D101-4AD4-8F3C-BE6AA2F3E7E9}" type="datetimeFigureOut">
               <a:rPr lang="sv-SE" smtClean="0"/>
+              <a:pPr/>
               <a:t>2014-04-28</a:t>
             </a:fld>
             <a:endParaRPr lang="sv-SE"/>
@@ -2204,6 +2218,7 @@
           <a:p>
             <a:fld id="{6200C31D-441A-455F-9B14-D3541BE17A64}" type="slidenum">
               <a:rPr lang="sv-SE" smtClean="0"/>
+              <a:pPr/>
               <a:t>‹#›</a:t>
             </a:fld>
             <a:endParaRPr lang="sv-SE"/>
@@ -2285,6 +2300,7 @@
           <a:p>
             <a:fld id="{2F70612F-D101-4AD4-8F3C-BE6AA2F3E7E9}" type="datetimeFigureOut">
               <a:rPr lang="sv-SE" smtClean="0"/>
+              <a:pPr/>
               <a:t>2014-04-28</a:t>
             </a:fld>
             <a:endParaRPr lang="sv-SE"/>
@@ -2331,6 +2347,7 @@
           <a:p>
             <a:fld id="{6200C31D-441A-455F-9B14-D3541BE17A64}" type="slidenum">
               <a:rPr lang="sv-SE" smtClean="0"/>
+              <a:pPr/>
               <a:t>‹#›</a:t>
             </a:fld>
             <a:endParaRPr lang="sv-SE"/>
@@ -2430,6 +2447,7 @@
           <a:p>
             <a:fld id="{2F70612F-D101-4AD4-8F3C-BE6AA2F3E7E9}" type="datetimeFigureOut">
               <a:rPr lang="sv-SE" smtClean="0"/>
+              <a:pPr/>
               <a:t>2014-04-28</a:t>
             </a:fld>
             <a:endParaRPr lang="sv-SE"/>
@@ -2476,6 +2494,7 @@
           <a:p>
             <a:fld id="{6200C31D-441A-455F-9B14-D3541BE17A64}" type="slidenum">
               <a:rPr lang="sv-SE" smtClean="0"/>
+              <a:pPr/>
               <a:t>‹#›</a:t>
             </a:fld>
             <a:endParaRPr lang="sv-SE"/>
@@ -2753,6 +2772,7 @@
           <a:p>
             <a:fld id="{2F70612F-D101-4AD4-8F3C-BE6AA2F3E7E9}" type="datetimeFigureOut">
               <a:rPr lang="sv-SE" smtClean="0"/>
+              <a:pPr/>
               <a:t>2014-04-28</a:t>
             </a:fld>
             <a:endParaRPr lang="sv-SE"/>
@@ -2799,6 +2819,7 @@
           <a:p>
             <a:fld id="{6200C31D-441A-455F-9B14-D3541BE17A64}" type="slidenum">
               <a:rPr lang="sv-SE" smtClean="0"/>
+              <a:pPr/>
               <a:t>‹#›</a:t>
             </a:fld>
             <a:endParaRPr lang="sv-SE"/>
@@ -2888,6 +2909,7 @@
           <a:p>
             <a:fld id="{2F70612F-D101-4AD4-8F3C-BE6AA2F3E7E9}" type="datetimeFigureOut">
               <a:rPr lang="sv-SE" smtClean="0"/>
+              <a:pPr/>
               <a:t>2014-04-28</a:t>
             </a:fld>
             <a:endParaRPr lang="sv-SE"/>
@@ -2934,6 +2956,7 @@
           <a:p>
             <a:fld id="{6200C31D-441A-455F-9B14-D3541BE17A64}" type="slidenum">
               <a:rPr lang="sv-SE" smtClean="0"/>
+              <a:pPr/>
               <a:t>‹#›</a:t>
             </a:fld>
             <a:endParaRPr lang="sv-SE"/>
@@ -3670,6 +3693,7 @@
           <a:p>
             <a:fld id="{2F70612F-D101-4AD4-8F3C-BE6AA2F3E7E9}" type="datetimeFigureOut">
               <a:rPr lang="sv-SE" smtClean="0"/>
+              <a:pPr/>
               <a:t>2014-04-28</a:t>
             </a:fld>
             <a:endParaRPr lang="sv-SE"/>
@@ -3754,6 +3778,7 @@
           <a:p>
             <a:fld id="{6200C31D-441A-455F-9B14-D3541BE17A64}" type="slidenum">
               <a:rPr lang="sv-SE" smtClean="0"/>
+              <a:pPr/>
               <a:t>‹#›</a:t>
             </a:fld>
             <a:endParaRPr lang="sv-SE"/>
@@ -4263,20 +4288,69 @@
           <a:p>
             <a:r>
               <a:rPr lang="sv-SE" dirty="0" smtClean="0"/>
-              <a:t>Implementation</a:t>
+              <a:t>Paper prototype</a:t>
             </a:r>
             <a:endParaRPr lang="sv-SE" dirty="0"/>
           </a:p>
         </p:txBody>
       </p:sp>
-      <p:sp>
-        <p:nvSpPr>
-          <p:cNvPr id="3" name="Content Placeholder 2"/>
-          <p:cNvSpPr>
-            <a:spLocks noGrp="1"/>
-          </p:cNvSpPr>
+      <p:pic>
+        <p:nvPicPr>
+          <p:cNvPr id="7" name="Content Placeholder 6" descr="mainwindow.png"/>
+          <p:cNvPicPr>
+            <a:picLocks noGrp="1" noChangeAspect="1"/>
+          </p:cNvPicPr>
           <p:nvPr>
             <p:ph idx="1"/>
+          </p:nvPr>
+        </p:nvPicPr>
+        <p:blipFill>
+          <a:blip r:embed="rId2" cstate="print"/>
+          <a:stretch>
+            <a:fillRect/>
+          </a:stretch>
+        </p:blipFill>
+        <p:spPr>
+          <a:xfrm>
+            <a:off x="2093271" y="1447800"/>
+            <a:ext cx="6183007" cy="4800600"/>
+          </a:xfrm>
+        </p:spPr>
+      </p:pic>
+    </p:spTree>
+  </p:cSld>
+  <p:clrMapOvr>
+    <a:masterClrMapping/>
+  </p:clrMapOvr>
+  <p:transition/>
+</p:sld>
+</file>
+
+<file path=ppt/slides/slide11.xml><?xml version="1.0" encoding="utf-8"?>
+<p:sld xmlns:a="http://schemas.openxmlformats.org/drawingml/2006/main" xmlns:r="http://schemas.openxmlformats.org/officeDocument/2006/relationships" xmlns:p="http://schemas.openxmlformats.org/presentationml/2006/main">
+  <p:cSld>
+    <p:spTree>
+      <p:nvGrpSpPr>
+        <p:cNvPr id="1" name=""/>
+        <p:cNvGrpSpPr/>
+        <p:nvPr/>
+      </p:nvGrpSpPr>
+      <p:grpSpPr>
+        <a:xfrm>
+          <a:off x="0" y="0"/>
+          <a:ext cx="0" cy="0"/>
+          <a:chOff x="0" y="0"/>
+          <a:chExt cx="0" cy="0"/>
+        </a:xfrm>
+      </p:grpSpPr>
+      <p:sp>
+        <p:nvSpPr>
+          <p:cNvPr id="2" name="Title 1"/>
+          <p:cNvSpPr>
+            <a:spLocks noGrp="1"/>
+          </p:cNvSpPr>
+          <p:nvPr>
+            <p:ph type="title"/>
           </p:nvPr>
         </p:nvSpPr>
         <p:spPr/>
@@ -4286,6 +4360,29 @@
           <a:p>
             <a:r>
               <a:rPr lang="sv-SE" dirty="0" smtClean="0"/>
+              <a:t>Implementation</a:t>
+            </a:r>
+            <a:endParaRPr lang="sv-SE" dirty="0"/>
+          </a:p>
+        </p:txBody>
+      </p:sp>
+      <p:sp>
+        <p:nvSpPr>
+          <p:cNvPr id="3" name="Content Placeholder 2"/>
+          <p:cNvSpPr>
+            <a:spLocks noGrp="1"/>
+          </p:cNvSpPr>
+          <p:nvPr>
+            <p:ph idx="1"/>
+          </p:nvPr>
+        </p:nvSpPr>
+        <p:spPr/>
+        <p:txBody>
+          <a:bodyPr/>
+          <a:lstStyle/>
+          <a:p>
+            <a:r>
+              <a:rPr lang="sv-SE" dirty="0" smtClean="0"/>
               <a:t>Platform:</a:t>
             </a:r>
           </a:p>
@@ -4295,7 +4392,6 @@
               <a:rPr lang="sv-SE" dirty="0" smtClean="0"/>
               <a:t>Ubuntu</a:t>
             </a:r>
-            <a:endParaRPr lang="sv-SE" dirty="0" smtClean="0"/>
           </a:p>
           <a:p>
             <a:pPr lvl="1"/>
@@ -4724,7 +4820,7 @@
 </p:sld>
 </file>
 
-<file path=ppt/slides/slide11.xml><?xml version="1.0" encoding="utf-8"?>
+<file path=ppt/slides/slide12.xml><?xml version="1.0" encoding="utf-8"?>
 <p:sld xmlns:a="http://schemas.openxmlformats.org/drawingml/2006/main" xmlns:r="http://schemas.openxmlformats.org/officeDocument/2006/relationships" xmlns:p="http://schemas.openxmlformats.org/presentationml/2006/main">
   <p:cSld>
     <p:spTree>
@@ -5040,85 +5136,6 @@
 </p:sld>
 </file>
 
-<file path=ppt/slides/slide12.xml><?xml version="1.0" encoding="utf-8"?>
-<p:sld xmlns:a="http://schemas.openxmlformats.org/drawingml/2006/main" xmlns:r="http://schemas.openxmlformats.org/officeDocument/2006/relationships" xmlns:p="http://schemas.openxmlformats.org/presentationml/2006/main">
-  <p:cSld>
-    <p:spTree>
-      <p:nvGrpSpPr>
-        <p:cNvPr id="1" name=""/>
-        <p:cNvGrpSpPr/>
-        <p:nvPr/>
-      </p:nvGrpSpPr>
-      <p:grpSpPr>
-        <a:xfrm>
-          <a:off x="0" y="0"/>
-          <a:ext cx="0" cy="0"/>
-          <a:chOff x="0" y="0"/>
-          <a:chExt cx="0" cy="0"/>
-        </a:xfrm>
-      </p:grpSpPr>
-      <p:sp>
-        <p:nvSpPr>
-          <p:cNvPr id="2" name="Title 1"/>
-          <p:cNvSpPr>
-            <a:spLocks noGrp="1"/>
-          </p:cNvSpPr>
-          <p:nvPr>
-            <p:ph type="title"/>
-          </p:nvPr>
-        </p:nvSpPr>
-        <p:spPr/>
-        <p:txBody>
-          <a:bodyPr/>
-          <a:lstStyle/>
-          <a:p>
-            <a:r>
-              <a:rPr lang="sv-SE" dirty="0" smtClean="0"/>
-              <a:t>The result: FlyTracker</a:t>
-            </a:r>
-            <a:endParaRPr lang="sv-SE" dirty="0"/>
-          </a:p>
-        </p:txBody>
-      </p:sp>
-      <p:sp>
-        <p:nvSpPr>
-          <p:cNvPr id="3" name="Content Placeholder 2"/>
-          <p:cNvSpPr>
-            <a:spLocks noGrp="1"/>
-          </p:cNvSpPr>
-          <p:nvPr>
-            <p:ph idx="1"/>
-          </p:nvPr>
-        </p:nvSpPr>
-        <p:spPr/>
-        <p:txBody>
-          <a:bodyPr/>
-          <a:lstStyle/>
-          <a:p>
-            <a:r>
-              <a:rPr lang="sv-SE" dirty="0" smtClean="0"/>
-              <a:t>*Video of a fly moving and corresponding plots in real time in FlyTracker*</a:t>
-            </a:r>
-            <a:endParaRPr lang="sv-SE" dirty="0"/>
-          </a:p>
-        </p:txBody>
-      </p:sp>
-    </p:spTree>
-  </p:cSld>
-  <p:clrMapOvr>
-    <a:masterClrMapping/>
-  </p:clrMapOvr>
-  <p:transition/>
-  <p:timing>
-    <p:tnLst>
-      <p:par>
-        <p:cTn id="1" dur="indefinite" restart="never" nodeType="tmRoot"/>
-      </p:par>
-    </p:tnLst>
-  </p:timing>
-</p:sld>
-</file>
-
 <file path=ppt/slides/slide13.xml><?xml version="1.0" encoding="utf-8"?>
 <p:sld xmlns:a="http://schemas.openxmlformats.org/drawingml/2006/main" xmlns:r="http://schemas.openxmlformats.org/officeDocument/2006/relationships" xmlns:p="http://schemas.openxmlformats.org/presentationml/2006/main">
   <p:cSld>
@@ -5153,7 +5170,7 @@
           <a:p>
             <a:r>
               <a:rPr lang="sv-SE" dirty="0" smtClean="0"/>
-              <a:t>Evaluation</a:t>
+              <a:t>The result: FlyTracker</a:t>
             </a:r>
             <a:endParaRPr lang="sv-SE" dirty="0"/>
           </a:p>
@@ -5176,7 +5193,7 @@
           <a:p>
             <a:r>
               <a:rPr lang="sv-SE" dirty="0" smtClean="0"/>
-              <a:t>Coming later...</a:t>
+              <a:t>*Video of a fly moving and corresponding plots in real time in FlyTracker*</a:t>
             </a:r>
             <a:endParaRPr lang="sv-SE" dirty="0"/>
           </a:p>
@@ -5232,6 +5249,85 @@
           <a:p>
             <a:r>
               <a:rPr lang="sv-SE" dirty="0" smtClean="0"/>
+              <a:t>Evaluation</a:t>
+            </a:r>
+            <a:endParaRPr lang="sv-SE" dirty="0"/>
+          </a:p>
+        </p:txBody>
+      </p:sp>
+      <p:sp>
+        <p:nvSpPr>
+          <p:cNvPr id="3" name="Content Placeholder 2"/>
+          <p:cNvSpPr>
+            <a:spLocks noGrp="1"/>
+          </p:cNvSpPr>
+          <p:nvPr>
+            <p:ph idx="1"/>
+          </p:nvPr>
+        </p:nvSpPr>
+        <p:spPr/>
+        <p:txBody>
+          <a:bodyPr/>
+          <a:lstStyle/>
+          <a:p>
+            <a:r>
+              <a:rPr lang="sv-SE" dirty="0" smtClean="0"/>
+              <a:t>Coming later...</a:t>
+            </a:r>
+            <a:endParaRPr lang="sv-SE" dirty="0"/>
+          </a:p>
+        </p:txBody>
+      </p:sp>
+    </p:spTree>
+  </p:cSld>
+  <p:clrMapOvr>
+    <a:masterClrMapping/>
+  </p:clrMapOvr>
+  <p:transition/>
+  <p:timing>
+    <p:tnLst>
+      <p:par>
+        <p:cTn id="1" dur="indefinite" restart="never" nodeType="tmRoot"/>
+      </p:par>
+    </p:tnLst>
+  </p:timing>
+</p:sld>
+</file>
+
+<file path=ppt/slides/slide15.xml><?xml version="1.0" encoding="utf-8"?>
+<p:sld xmlns:a="http://schemas.openxmlformats.org/drawingml/2006/main" xmlns:r="http://schemas.openxmlformats.org/officeDocument/2006/relationships" xmlns:p="http://schemas.openxmlformats.org/presentationml/2006/main">
+  <p:cSld>
+    <p:spTree>
+      <p:nvGrpSpPr>
+        <p:cNvPr id="1" name=""/>
+        <p:cNvGrpSpPr/>
+        <p:nvPr/>
+      </p:nvGrpSpPr>
+      <p:grpSpPr>
+        <a:xfrm>
+          <a:off x="0" y="0"/>
+          <a:ext cx="0" cy="0"/>
+          <a:chOff x="0" y="0"/>
+          <a:chExt cx="0" cy="0"/>
+        </a:xfrm>
+      </p:grpSpPr>
+      <p:sp>
+        <p:nvSpPr>
+          <p:cNvPr id="2" name="Title 1"/>
+          <p:cNvSpPr>
+            <a:spLocks noGrp="1"/>
+          </p:cNvSpPr>
+          <p:nvPr>
+            <p:ph type="title"/>
+          </p:nvPr>
+        </p:nvSpPr>
+        <p:spPr/>
+        <p:txBody>
+          <a:bodyPr/>
+          <a:lstStyle/>
+          <a:p>
+            <a:r>
+              <a:rPr lang="sv-SE" dirty="0" smtClean="0"/>
               <a:t>Conclusion</a:t>
             </a:r>
             <a:endParaRPr lang="sv-SE" dirty="0"/>
@@ -5343,8 +5439,20 @@
           <a:p>
             <a:r>
               <a:rPr lang="sv-SE" dirty="0" smtClean="0"/>
-              <a:t>Behavioural studys on flies</a:t>
-            </a:r>
+              <a:t>Behavioural studys on </a:t>
+            </a:r>
+            <a:r>
+              <a:rPr lang="sv-SE" dirty="0" err="1" smtClean="0"/>
+              <a:t>flies</a:t>
+            </a:r>
+            <a:endParaRPr lang="sv-SE" dirty="0" smtClean="0"/>
+          </a:p>
+          <a:p>
+            <a:r>
+              <a:rPr lang="sv-SE" dirty="0" smtClean="0"/>
+              <a:t>The experiment</a:t>
+            </a:r>
+            <a:endParaRPr lang="sv-SE" dirty="0" smtClean="0"/>
           </a:p>
         </p:txBody>
       </p:sp>
@@ -5484,6 +5592,67 @@
                       </p:childTnLst>
                     </p:cTn>
                   </p:par>
+                  <p:par>
+                    <p:cTn id="13" fill="hold">
+                      <p:stCondLst>
+                        <p:cond delay="indefinite"/>
+                      </p:stCondLst>
+                      <p:childTnLst>
+                        <p:par>
+                          <p:cTn id="14" fill="hold">
+                            <p:stCondLst>
+                              <p:cond delay="0"/>
+                            </p:stCondLst>
+                            <p:childTnLst>
+                              <p:par>
+                                <p:cTn id="15" presetID="22" presetClass="entr" presetSubtype="4" fill="hold" grpId="0" nodeType="clickEffect">
+                                  <p:stCondLst>
+                                    <p:cond delay="0"/>
+                                  </p:stCondLst>
+                                  <p:childTnLst>
+                                    <p:set>
+                                      <p:cBhvr>
+                                        <p:cTn id="16" dur="1" fill="hold">
+                                          <p:stCondLst>
+                                            <p:cond delay="0"/>
+                                          </p:stCondLst>
+                                        </p:cTn>
+                                        <p:tgtEl>
+                                          <p:spTgt spid="3">
+                                            <p:txEl>
+                                              <p:pRg st="3" end="3"/>
+                                            </p:txEl>
+                                          </p:spTgt>
+                                        </p:tgtEl>
+                                        <p:attrNameLst>
+                                          <p:attrName>style.visibility</p:attrName>
+                                        </p:attrNameLst>
+                                      </p:cBhvr>
+                                      <p:to>
+                                        <p:strVal val="visible"/>
+                                      </p:to>
+                                    </p:set>
+                                    <p:animEffect transition="in" filter="wipe(down)">
+                                      <p:cBhvr>
+                                        <p:cTn id="17" dur="500"/>
+                                        <p:tgtEl>
+                                          <p:spTgt spid="3">
+                                            <p:txEl>
+                                              <p:pRg st="3" end="3"/>
+                                            </p:txEl>
+                                          </p:spTgt>
+                                        </p:tgtEl>
+                                      </p:cBhvr>
+                                    </p:animEffect>
+                                  </p:childTnLst>
+                                </p:cTn>
+                              </p:par>
+                            </p:childTnLst>
+                          </p:cTn>
+                        </p:par>
+                      </p:childTnLst>
+                    </p:cTn>
+                  </p:par>
                 </p:childTnLst>
               </p:cTn>
               <p:prevCondLst>
@@ -5581,10 +5750,195 @@
     <a:masterClrMapping/>
   </p:clrMapOvr>
   <p:transition/>
+  <p:timing>
+    <p:tnLst>
+      <p:par>
+        <p:cTn id="1" dur="indefinite" restart="never" nodeType="tmRoot"/>
+      </p:par>
+    </p:tnLst>
+  </p:timing>
 </p:sld>
 </file>
 
 <file path=ppt/slides/slide4.xml><?xml version="1.0" encoding="utf-8"?>
+<p:sld xmlns:a="http://schemas.openxmlformats.org/drawingml/2006/main" xmlns:r="http://schemas.openxmlformats.org/officeDocument/2006/relationships" xmlns:p="http://schemas.openxmlformats.org/presentationml/2006/main">
+  <p:cSld>
+    <p:spTree>
+      <p:nvGrpSpPr>
+        <p:cNvPr id="1" name=""/>
+        <p:cNvGrpSpPr/>
+        <p:nvPr/>
+      </p:nvGrpSpPr>
+      <p:grpSpPr>
+        <a:xfrm>
+          <a:off x="0" y="0"/>
+          <a:ext cx="0" cy="0"/>
+          <a:chOff x="0" y="0"/>
+          <a:chExt cx="0" cy="0"/>
+        </a:xfrm>
+      </p:grpSpPr>
+      <p:sp>
+        <p:nvSpPr>
+          <p:cNvPr id="2" name="Rubrik 1"/>
+          <p:cNvSpPr>
+            <a:spLocks noGrp="1"/>
+          </p:cNvSpPr>
+          <p:nvPr>
+            <p:ph type="title"/>
+          </p:nvPr>
+        </p:nvSpPr>
+        <p:spPr/>
+        <p:txBody>
+          <a:bodyPr/>
+          <a:lstStyle/>
+          <a:p>
+            <a:r>
+              <a:rPr lang="sv-SE" dirty="0" err="1" smtClean="0"/>
+              <a:t>Purpose</a:t>
+            </a:r>
+            <a:endParaRPr lang="sv-SE" dirty="0"/>
+          </a:p>
+        </p:txBody>
+      </p:sp>
+      <p:sp>
+        <p:nvSpPr>
+          <p:cNvPr id="3" name="Platshållare för innehåll 2"/>
+          <p:cNvSpPr>
+            <a:spLocks noGrp="1"/>
+          </p:cNvSpPr>
+          <p:nvPr>
+            <p:ph idx="1"/>
+          </p:nvPr>
+        </p:nvSpPr>
+        <p:spPr/>
+        <p:txBody>
+          <a:bodyPr/>
+          <a:lstStyle/>
+          <a:p>
+            <a:r>
+              <a:rPr lang="sv-SE" dirty="0" err="1" smtClean="0"/>
+              <a:t>Develop</a:t>
+            </a:r>
+            <a:r>
+              <a:rPr lang="sv-SE" dirty="0" smtClean="0"/>
+              <a:t> an </a:t>
+            </a:r>
+            <a:r>
+              <a:rPr lang="sv-SE" dirty="0" err="1" smtClean="0"/>
+              <a:t>user-friendly</a:t>
+            </a:r>
+            <a:r>
+              <a:rPr lang="sv-SE" dirty="0" smtClean="0"/>
+              <a:t> software system</a:t>
+            </a:r>
+            <a:endParaRPr lang="sv-SE" dirty="0"/>
+          </a:p>
+        </p:txBody>
+      </p:sp>
+    </p:spTree>
+  </p:cSld>
+  <p:clrMapOvr>
+    <a:masterClrMapping/>
+  </p:clrMapOvr>
+  <p:transition/>
+  <p:timing>
+    <p:tnLst>
+      <p:par>
+        <p:cTn id="1" dur="indefinite" restart="never" nodeType="tmRoot">
+          <p:childTnLst>
+            <p:seq concurrent="1" nextAc="seek">
+              <p:cTn id="2" dur="indefinite" nodeType="mainSeq">
+                <p:childTnLst>
+                  <p:par>
+                    <p:cTn id="3" fill="hold">
+                      <p:stCondLst>
+                        <p:cond delay="indefinite"/>
+                      </p:stCondLst>
+                      <p:childTnLst>
+                        <p:par>
+                          <p:cTn id="4" fill="hold">
+                            <p:stCondLst>
+                              <p:cond delay="0"/>
+                            </p:stCondLst>
+                            <p:childTnLst>
+                              <p:par>
+                                <p:cTn id="5" presetID="22" presetClass="entr" presetSubtype="4" fill="hold" grpId="0" nodeType="clickEffect">
+                                  <p:stCondLst>
+                                    <p:cond delay="0"/>
+                                  </p:stCondLst>
+                                  <p:childTnLst>
+                                    <p:set>
+                                      <p:cBhvr>
+                                        <p:cTn id="6" dur="1" fill="hold">
+                                          <p:stCondLst>
+                                            <p:cond delay="0"/>
+                                          </p:stCondLst>
+                                        </p:cTn>
+                                        <p:tgtEl>
+                                          <p:spTgt spid="3">
+                                            <p:txEl>
+                                              <p:pRg st="0" end="0"/>
+                                            </p:txEl>
+                                          </p:spTgt>
+                                        </p:tgtEl>
+                                        <p:attrNameLst>
+                                          <p:attrName>style.visibility</p:attrName>
+                                        </p:attrNameLst>
+                                      </p:cBhvr>
+                                      <p:to>
+                                        <p:strVal val="visible"/>
+                                      </p:to>
+                                    </p:set>
+                                    <p:animEffect transition="in" filter="wipe(down)">
+                                      <p:cBhvr>
+                                        <p:cTn id="7" dur="500"/>
+                                        <p:tgtEl>
+                                          <p:spTgt spid="3">
+                                            <p:txEl>
+                                              <p:pRg st="0" end="0"/>
+                                            </p:txEl>
+                                          </p:spTgt>
+                                        </p:tgtEl>
+                                      </p:cBhvr>
+                                    </p:animEffect>
+                                  </p:childTnLst>
+                                </p:cTn>
+                              </p:par>
+                            </p:childTnLst>
+                          </p:cTn>
+                        </p:par>
+                      </p:childTnLst>
+                    </p:cTn>
+                  </p:par>
+                </p:childTnLst>
+              </p:cTn>
+              <p:prevCondLst>
+                <p:cond evt="onPrev" delay="0">
+                  <p:tgtEl>
+                    <p:sldTgt/>
+                  </p:tgtEl>
+                </p:cond>
+              </p:prevCondLst>
+              <p:nextCondLst>
+                <p:cond evt="onNext" delay="0">
+                  <p:tgtEl>
+                    <p:sldTgt/>
+                  </p:tgtEl>
+                </p:cond>
+              </p:nextCondLst>
+            </p:seq>
+          </p:childTnLst>
+        </p:cTn>
+      </p:par>
+    </p:tnLst>
+    <p:bldLst>
+      <p:bldP spid="3" grpId="0" build="p"/>
+    </p:bldLst>
+  </p:timing>
+</p:sld>
+</file>
+
+<file path=ppt/slides/slide5.xml><?xml version="1.0" encoding="utf-8"?>
 <p:sld xmlns:a="http://schemas.openxmlformats.org/drawingml/2006/main" xmlns:r="http://schemas.openxmlformats.org/officeDocument/2006/relationships" xmlns:p="http://schemas.openxmlformats.org/presentationml/2006/main">
   <p:cSld>
     <p:spTree>
@@ -5953,7 +6307,7 @@
 </p:sld>
 </file>
 
-<file path=ppt/slides/slide5.xml><?xml version="1.0" encoding="utf-8"?>
+<file path=ppt/slides/slide6.xml><?xml version="1.0" encoding="utf-8"?>
 <p:sld xmlns:a="http://schemas.openxmlformats.org/drawingml/2006/main" xmlns:r="http://schemas.openxmlformats.org/officeDocument/2006/relationships" xmlns:p="http://schemas.openxmlformats.org/presentationml/2006/main">
   <p:cSld>
     <p:spTree>
@@ -6185,7 +6539,7 @@
 </p:sld>
 </file>
 
-<file path=ppt/slides/slide6.xml><?xml version="1.0" encoding="utf-8"?>
+<file path=ppt/slides/slide7.xml><?xml version="1.0" encoding="utf-8"?>
 <p:sld xmlns:a="http://schemas.openxmlformats.org/drawingml/2006/main" xmlns:r="http://schemas.openxmlformats.org/officeDocument/2006/relationships" xmlns:p="http://schemas.openxmlformats.org/presentationml/2006/main">
   <p:cSld>
     <p:spTree>
@@ -6487,80 +6841,6 @@
 </p:sld>
 </file>
 
-<file path=ppt/slides/slide7.xml><?xml version="1.0" encoding="utf-8"?>
-<p:sld xmlns:a="http://schemas.openxmlformats.org/drawingml/2006/main" xmlns:r="http://schemas.openxmlformats.org/officeDocument/2006/relationships" xmlns:p="http://schemas.openxmlformats.org/presentationml/2006/main">
-  <p:cSld>
-    <p:spTree>
-      <p:nvGrpSpPr>
-        <p:cNvPr id="1" name=""/>
-        <p:cNvGrpSpPr/>
-        <p:nvPr/>
-      </p:nvGrpSpPr>
-      <p:grpSpPr>
-        <a:xfrm>
-          <a:off x="0" y="0"/>
-          <a:ext cx="0" cy="0"/>
-          <a:chOff x="0" y="0"/>
-          <a:chExt cx="0" cy="0"/>
-        </a:xfrm>
-      </p:grpSpPr>
-      <p:sp>
-        <p:nvSpPr>
-          <p:cNvPr id="2" name="Title 1"/>
-          <p:cNvSpPr>
-            <a:spLocks noGrp="1"/>
-          </p:cNvSpPr>
-          <p:nvPr>
-            <p:ph type="title"/>
-          </p:nvPr>
-        </p:nvSpPr>
-        <p:spPr/>
-        <p:txBody>
-          <a:bodyPr>
-            <a:normAutofit/>
-          </a:bodyPr>
-          <a:lstStyle/>
-          <a:p>
-            <a:r>
-              <a:rPr lang="sv-SE" dirty="0" smtClean="0"/>
-              <a:t>Paper prototype</a:t>
-            </a:r>
-            <a:endParaRPr lang="sv-SE" dirty="0"/>
-          </a:p>
-        </p:txBody>
-      </p:sp>
-      <p:pic>
-        <p:nvPicPr>
-          <p:cNvPr id="4" name="Content Placeholder 3" descr="onstartup.png"/>
-          <p:cNvPicPr>
-            <a:picLocks noGrp="1" noChangeAspect="1"/>
-          </p:cNvPicPr>
-          <p:nvPr>
-            <p:ph idx="1"/>
-          </p:nvPr>
-        </p:nvPicPr>
-        <p:blipFill>
-          <a:blip r:embed="rId2" cstate="print"/>
-          <a:stretch>
-            <a:fillRect/>
-          </a:stretch>
-        </p:blipFill>
-        <p:spPr>
-          <a:xfrm>
-            <a:off x="3491219" y="1447800"/>
-            <a:ext cx="3387111" cy="4800600"/>
-          </a:xfrm>
-        </p:spPr>
-      </p:pic>
-    </p:spTree>
-  </p:cSld>
-  <p:clrMapOvr>
-    <a:masterClrMapping/>
-  </p:clrMapOvr>
-  <p:transition/>
-</p:sld>
-</file>
-
 <file path=ppt/slides/slide8.xml><?xml version="1.0" encoding="utf-8"?>
 <p:sld xmlns:a="http://schemas.openxmlformats.org/drawingml/2006/main" xmlns:r="http://schemas.openxmlformats.org/officeDocument/2006/relationships" xmlns:p="http://schemas.openxmlformats.org/presentationml/2006/main">
   <p:cSld>
@@ -6590,7 +6870,9 @@
         </p:nvSpPr>
         <p:spPr/>
         <p:txBody>
-          <a:bodyPr/>
+          <a:bodyPr>
+            <a:normAutofit/>
+          </a:bodyPr>
           <a:lstStyle/>
           <a:p>
             <a:r>
@@ -6603,7 +6885,7 @@
       </p:sp>
       <p:pic>
         <p:nvPicPr>
-          <p:cNvPr id="4" name="Content Placeholder 3" descr="onstartup2.png"/>
+          <p:cNvPr id="4" name="Content Placeholder 3" descr="onstartup.png"/>
           <p:cNvPicPr>
             <a:picLocks noGrp="1" noChangeAspect="1"/>
           </p:cNvPicPr>
@@ -6619,8 +6901,8 @@
         </p:blipFill>
         <p:spPr>
           <a:xfrm>
-            <a:off x="3441746" y="1447800"/>
-            <a:ext cx="3486058" cy="4800600"/>
+            <a:off x="3491219" y="1447800"/>
+            <a:ext cx="3387111" cy="4800600"/>
           </a:xfrm>
         </p:spPr>
       </p:pic>
@@ -6675,7 +6957,7 @@
       </p:sp>
       <p:pic>
         <p:nvPicPr>
-          <p:cNvPr id="7" name="Content Placeholder 6" descr="mainwindow.png"/>
+          <p:cNvPr id="4" name="Content Placeholder 3" descr="onstartup2.png"/>
           <p:cNvPicPr>
             <a:picLocks noGrp="1" noChangeAspect="1"/>
           </p:cNvPicPr>
@@ -6691,8 +6973,8 @@
         </p:blipFill>
         <p:spPr>
           <a:xfrm>
-            <a:off x="2093271" y="1447800"/>
-            <a:ext cx="6183007" cy="4800600"/>
+            <a:off x="3441746" y="1447800"/>
+            <a:ext cx="3486058" cy="4800600"/>
           </a:xfrm>
         </p:spPr>
       </p:pic>
